--- a/Präsentation/ProjectAward-DIPLO.pptx
+++ b/Präsentation/ProjectAward-DIPLO.pptx
@@ -5737,7 +5737,7 @@
         <a:p>
           <a:r>
             <a:rPr lang="de-DE" dirty="0"/>
-            <a:t>Erweiterung des Martes</a:t>
+            <a:t>Erweiterung des Marktes</a:t>
           </a:r>
           <a:endParaRPr lang="en-US" dirty="0"/>
         </a:p>
@@ -7276,7 +7276,7 @@
         </a:bodyPr>
         <a:lstStyle/>
         <a:p>
-          <a:pPr marL="0" lvl="0" indent="0" algn="ctr" defTabSz="711200">
+          <a:pPr marL="0" lvl="0" indent="0" algn="ctr" defTabSz="755650">
             <a:lnSpc>
               <a:spcPct val="90000"/>
             </a:lnSpc>
@@ -7290,7 +7290,7 @@
             <a:defRPr cap="all"/>
           </a:pPr>
           <a:r>
-            <a:rPr lang="de-DE" sz="1600" kern="1200" noProof="0" dirty="0"/>
+            <a:rPr lang="de-DE" sz="1700" kern="1200" noProof="0" dirty="0"/>
             <a:t>Vereinfachung für Entwickler</a:t>
           </a:r>
         </a:p>
@@ -7427,7 +7427,7 @@
         </a:bodyPr>
         <a:lstStyle/>
         <a:p>
-          <a:pPr marL="0" lvl="0" indent="0" algn="ctr" defTabSz="711200">
+          <a:pPr marL="0" lvl="0" indent="0" algn="ctr" defTabSz="755650">
             <a:lnSpc>
               <a:spcPct val="90000"/>
             </a:lnSpc>
@@ -7441,10 +7441,10 @@
             <a:defRPr cap="all"/>
           </a:pPr>
           <a:r>
-            <a:rPr lang="de-AT" sz="1600" kern="1200" dirty="0"/>
+            <a:rPr lang="de-AT" sz="1700" kern="1200" dirty="0"/>
             <a:t>Einblick in SCADA-SYSTEME</a:t>
           </a:r>
-          <a:endParaRPr lang="en-US" sz="1600" kern="1200" dirty="0"/>
+          <a:endParaRPr lang="en-US" sz="1700" kern="1200" dirty="0"/>
         </a:p>
       </dsp:txBody>
       <dsp:txXfrm>
@@ -7579,7 +7579,7 @@
         </a:bodyPr>
         <a:lstStyle/>
         <a:p>
-          <a:pPr marL="0" lvl="0" indent="0" algn="ctr" defTabSz="711200">
+          <a:pPr marL="0" lvl="0" indent="0" algn="ctr" defTabSz="755650">
             <a:lnSpc>
               <a:spcPct val="90000"/>
             </a:lnSpc>
@@ -7593,10 +7593,10 @@
             <a:defRPr cap="all"/>
           </a:pPr>
           <a:r>
-            <a:rPr lang="de-AT" sz="1600" kern="1200" dirty="0"/>
+            <a:rPr lang="de-AT" sz="1700" kern="1200" dirty="0"/>
             <a:t>Projekt für Diplomarbeit</a:t>
           </a:r>
-          <a:endParaRPr lang="en-US" sz="1600" kern="1200" dirty="0"/>
+          <a:endParaRPr lang="en-US" sz="1700" kern="1200" dirty="0"/>
         </a:p>
       </dsp:txBody>
       <dsp:txXfrm>
@@ -7731,7 +7731,7 @@
         </a:bodyPr>
         <a:lstStyle/>
         <a:p>
-          <a:pPr marL="0" lvl="0" indent="0" algn="ctr" defTabSz="711200">
+          <a:pPr marL="0" lvl="0" indent="0" algn="ctr" defTabSz="755650">
             <a:lnSpc>
               <a:spcPct val="90000"/>
             </a:lnSpc>
@@ -7745,10 +7745,10 @@
             <a:defRPr cap="all"/>
           </a:pPr>
           <a:r>
-            <a:rPr lang="de-AT" sz="1600" kern="1200" dirty="0"/>
+            <a:rPr lang="de-AT" sz="1700" kern="1200" dirty="0"/>
             <a:t>Möglicher zukünftiger Arbeitsplatz</a:t>
           </a:r>
-          <a:endParaRPr lang="en-US" sz="1600" kern="1200" dirty="0"/>
+          <a:endParaRPr lang="en-US" sz="1700" kern="1200" dirty="0"/>
         </a:p>
       </dsp:txBody>
       <dsp:txXfrm>
@@ -8828,7 +8828,7 @@
           </a:pPr>
           <a:r>
             <a:rPr lang="de-DE" sz="2100" kern="1200" dirty="0"/>
-            <a:t>Erweiterung des Martes</a:t>
+            <a:t>Erweiterung des Marktes</a:t>
           </a:r>
           <a:endParaRPr lang="en-US" sz="2100" kern="1200" dirty="0"/>
         </a:p>
@@ -15334,7 +15334,7 @@
           <a:p>
             <a:fld id="{67702A17-7AE3-4B44-889C-4D77A0FC7177}" type="datetime1">
               <a:rPr lang="de-DE" smtClean="0"/>
-              <a:t>13.03.2023</a:t>
+              <a:t>14.03.2023</a:t>
             </a:fld>
             <a:endParaRPr lang="de-DE" dirty="0"/>
           </a:p>
@@ -15514,7 +15514,7 @@
             <a:fld id="{82650ACC-C7DD-445E-BC27-71FC31906D7B}" type="datetime1">
               <a:rPr lang="de-DE" smtClean="0"/>
               <a:pPr/>
-              <a:t>13.03.2023</a:t>
+              <a:t>14.03.2023</a:t>
             </a:fld>
             <a:endParaRPr lang="de-DE" dirty="0"/>
           </a:p>
@@ -28246,7 +28246,7 @@
             <p:ph idx="1"/>
             <p:extLst>
               <p:ext uri="{D42A27DB-BD31-4B8C-83A1-F6EECF244321}">
-                <p14:modId xmlns:p14="http://schemas.microsoft.com/office/powerpoint/2010/main" val="594636556"/>
+                <p14:modId xmlns:p14="http://schemas.microsoft.com/office/powerpoint/2010/main" val="3328793478"/>
               </p:ext>
             </p:extLst>
           </p:nvPr>
@@ -28293,22 +28293,64 @@
       </p:grpSpPr>
       <p:pic>
         <p:nvPicPr>
-          <p:cNvPr id="1026" name="Picture 2" descr="Image result for docker">
+          <p:cNvPr id="1032" name="Picture 8">
             <a:extLst>
               <a:ext uri="{FF2B5EF4-FFF2-40B4-BE49-F238E27FC236}">
-                <a16:creationId xmlns:a16="http://schemas.microsoft.com/office/drawing/2014/main" id="{97B40304-2F3D-FB80-93EE-47DEECF887DE}"/>
+                <a16:creationId xmlns:a16="http://schemas.microsoft.com/office/drawing/2014/main" id="{652E7E36-84F3-F9FF-A685-249E88BF3EDB}"/>
               </a:ext>
             </a:extLst>
           </p:cNvPr>
           <p:cNvPicPr>
-            <a:picLocks noGrp="1" noChangeAspect="1" noChangeArrowheads="1"/>
+            <a:picLocks noChangeAspect="1" noChangeArrowheads="1"/>
           </p:cNvPicPr>
-          <p:nvPr>
-            <p:ph idx="1"/>
-          </p:nvPr>
+          <p:nvPr/>
+        </p:nvPicPr>
+        <p:blipFill rotWithShape="1">
+          <a:blip r:embed="rId3">
+            <a:extLst>
+              <a:ext uri="{28A0092B-C50C-407E-A947-70E740481C1C}">
+                <a14:useLocalDpi xmlns:a14="http://schemas.microsoft.com/office/drawing/2010/main" val="0"/>
+              </a:ext>
+            </a:extLst>
+          </a:blip>
+          <a:srcRect l="18882" t="15376" r="20959" b="14916"/>
+          <a:stretch/>
+        </p:blipFill>
+        <p:spPr bwMode="auto">
+          <a:xfrm>
+            <a:off x="574675" y="2274888"/>
+            <a:ext cx="2970213" cy="3454400"/>
+          </a:xfrm>
+          <a:prstGeom prst="rect">
+            <a:avLst/>
+          </a:prstGeom>
+          <a:extLst>
+            <a:ext uri="{909E8E84-426E-40DD-AFC4-6F175D3DCCD1}">
+              <a14:hiddenFill xmlns:a14="http://schemas.microsoft.com/office/drawing/2010/main">
+                <a:solidFill>
+                  <a:srgbClr val="FFFFFF"/>
+                </a:solidFill>
+              </a14:hiddenFill>
+            </a:ext>
+          </a:extLst>
+        </p:spPr>
+      </p:pic>
+      <p:pic>
+        <p:nvPicPr>
+          <p:cNvPr id="1028" name="Picture 4" descr="C Programming icon in Color Style">
+            <a:extLst>
+              <a:ext uri="{FF2B5EF4-FFF2-40B4-BE49-F238E27FC236}">
+                <a16:creationId xmlns:a16="http://schemas.microsoft.com/office/drawing/2014/main" id="{5E7DAD68-C776-55E5-7A42-37D101A9BD7F}"/>
+              </a:ext>
+            </a:extLst>
+          </p:cNvPr>
+          <p:cNvPicPr>
+            <a:picLocks noChangeAspect="1" noChangeArrowheads="1"/>
+          </p:cNvPicPr>
+          <p:nvPr/>
         </p:nvPicPr>
         <p:blipFill>
-          <a:blip r:embed="rId3">
+          <a:blip r:embed="rId4">
             <a:extLst>
               <a:ext uri="{28A0092B-C50C-407E-A947-70E740481C1C}">
                 <a14:useLocalDpi xmlns:a14="http://schemas.microsoft.com/office/drawing/2010/main" val="0"/>
@@ -28322,8 +28364,100 @@
         </p:blipFill>
         <p:spPr bwMode="auto">
           <a:xfrm>
-            <a:off x="4225925" y="1690688"/>
-            <a:ext cx="4356100" cy="4351338"/>
+            <a:off x="3617913" y="2274888"/>
+            <a:ext cx="2549525" cy="2549525"/>
+          </a:xfrm>
+          <a:prstGeom prst="rect">
+            <a:avLst/>
+          </a:prstGeom>
+          <a:extLst>
+            <a:ext uri="{909E8E84-426E-40DD-AFC4-6F175D3DCCD1}">
+              <a14:hiddenFill xmlns:a14="http://schemas.microsoft.com/office/drawing/2010/main">
+                <a:solidFill>
+                  <a:srgbClr val="FFFFFF"/>
+                </a:solidFill>
+              </a14:hiddenFill>
+            </a:ext>
+          </a:extLst>
+        </p:spPr>
+      </p:pic>
+      <p:pic>
+        <p:nvPicPr>
+          <p:cNvPr id="1030" name="Picture 6" descr="Press and Logos | GitLab">
+            <a:extLst>
+              <a:ext uri="{FF2B5EF4-FFF2-40B4-BE49-F238E27FC236}">
+                <a16:creationId xmlns:a16="http://schemas.microsoft.com/office/drawing/2014/main" id="{2566CBF5-E9E4-093D-F296-255693848C21}"/>
+              </a:ext>
+            </a:extLst>
+          </p:cNvPr>
+          <p:cNvPicPr>
+            <a:picLocks noChangeAspect="1" noChangeArrowheads="1"/>
+          </p:cNvPicPr>
+          <p:nvPr/>
+        </p:nvPicPr>
+        <p:blipFill>
+          <a:blip r:embed="rId5">
+            <a:extLst>
+              <a:ext uri="{28A0092B-C50C-407E-A947-70E740481C1C}">
+                <a14:useLocalDpi xmlns:a14="http://schemas.microsoft.com/office/drawing/2010/main" val="0"/>
+              </a:ext>
+            </a:extLst>
+          </a:blip>
+          <a:srcRect/>
+          <a:stretch>
+            <a:fillRect/>
+          </a:stretch>
+        </p:blipFill>
+        <p:spPr bwMode="auto">
+          <a:xfrm>
+            <a:off x="3617913" y="4897438"/>
+            <a:ext cx="2549525" cy="831850"/>
+          </a:xfrm>
+          <a:prstGeom prst="rect">
+            <a:avLst/>
+          </a:prstGeom>
+          <a:extLst>
+            <a:ext uri="{909E8E84-426E-40DD-AFC4-6F175D3DCCD1}">
+              <a14:hiddenFill xmlns:a14="http://schemas.microsoft.com/office/drawing/2010/main">
+                <a:solidFill>
+                  <a:srgbClr val="FFFFFF"/>
+                </a:solidFill>
+              </a14:hiddenFill>
+            </a:ext>
+          </a:extLst>
+        </p:spPr>
+      </p:pic>
+      <p:pic>
+        <p:nvPicPr>
+          <p:cNvPr id="5" name="Picture 2" descr="WinCC Open Architecture | Eisenstadt | Facebook">
+            <a:extLst>
+              <a:ext uri="{FF2B5EF4-FFF2-40B4-BE49-F238E27FC236}">
+                <a16:creationId xmlns:a16="http://schemas.microsoft.com/office/drawing/2014/main" id="{355C68F5-2070-1D87-0346-3085834A44C2}"/>
+              </a:ext>
+            </a:extLst>
+          </p:cNvPr>
+          <p:cNvPicPr>
+            <a:picLocks noChangeAspect="1" noChangeArrowheads="1"/>
+          </p:cNvPicPr>
+          <p:nvPr/>
+        </p:nvPicPr>
+        <p:blipFill>
+          <a:blip r:embed="rId6">
+            <a:extLst>
+              <a:ext uri="{28A0092B-C50C-407E-A947-70E740481C1C}">
+                <a14:useLocalDpi xmlns:a14="http://schemas.microsoft.com/office/drawing/2010/main" val="0"/>
+              </a:ext>
+            </a:extLst>
+          </a:blip>
+          <a:srcRect/>
+          <a:stretch>
+            <a:fillRect/>
+          </a:stretch>
+        </p:blipFill>
+        <p:spPr bwMode="auto">
+          <a:xfrm>
+            <a:off x="6238875" y="2274888"/>
+            <a:ext cx="3451225" cy="3454400"/>
           </a:xfrm>
           <a:prstGeom prst="rect">
             <a:avLst/>
@@ -28354,7 +28488,7 @@
           <p:nvPr/>
         </p:nvPicPr>
         <p:blipFill>
-          <a:blip r:embed="rId4">
+          <a:blip r:embed="rId7">
             <a:extLst>
               <a:ext uri="{28A0092B-C50C-407E-A947-70E740481C1C}">
                 <a14:useLocalDpi xmlns:a14="http://schemas.microsoft.com/office/drawing/2010/main" val="0"/>
@@ -28368,8 +28502,8 @@
         </p:blipFill>
         <p:spPr bwMode="auto">
           <a:xfrm>
-            <a:off x="8750300" y="1825625"/>
-            <a:ext cx="2222500" cy="4351338"/>
+            <a:off x="9763125" y="2274888"/>
+            <a:ext cx="1582738" cy="3454400"/>
           </a:xfrm>
           <a:prstGeom prst="rect">
             <a:avLst/>
@@ -28403,8 +28537,8 @@
         </p:nvSpPr>
         <p:spPr>
           <a:xfrm>
-            <a:off x="838200" y="365125"/>
-            <a:ext cx="10515600" cy="1325563"/>
+            <a:off x="576072" y="365125"/>
+            <a:ext cx="10771632" cy="1325563"/>
           </a:xfrm>
         </p:spPr>
         <p:txBody>
@@ -28415,7 +28549,7 @@
           <a:p>
             <a:r>
               <a:rPr lang="de-AT" dirty="0"/>
-              <a:t>Technologien Backend</a:t>
+              <a:t>Technologien</a:t>
             </a:r>
           </a:p>
         </p:txBody>
@@ -28466,52 +28600,6 @@
           </a:p>
         </p:txBody>
       </p:sp>
-      <p:pic>
-        <p:nvPicPr>
-          <p:cNvPr id="4" name="Picture 6" descr="Lehrgang: C# Programmierer – Lehrgang Ausbildung, Kurs, Schulung, Training,  Seminar und Ausbildung in Wien und Graz | tecTrain GmbH">
-            <a:extLst>
-              <a:ext uri="{FF2B5EF4-FFF2-40B4-BE49-F238E27FC236}">
-                <a16:creationId xmlns:a16="http://schemas.microsoft.com/office/drawing/2014/main" id="{DEA8C69F-B667-AA55-76EB-DA10CB04225C}"/>
-              </a:ext>
-            </a:extLst>
-          </p:cNvPr>
-          <p:cNvPicPr>
-            <a:picLocks noChangeAspect="1" noChangeArrowheads="1"/>
-          </p:cNvPicPr>
-          <p:nvPr/>
-        </p:nvPicPr>
-        <p:blipFill>
-          <a:blip r:embed="rId5">
-            <a:extLst>
-              <a:ext uri="{28A0092B-C50C-407E-A947-70E740481C1C}">
-                <a14:useLocalDpi xmlns:a14="http://schemas.microsoft.com/office/drawing/2010/main" val="0"/>
-              </a:ext>
-            </a:extLst>
-          </a:blip>
-          <a:srcRect/>
-          <a:stretch>
-            <a:fillRect/>
-          </a:stretch>
-        </p:blipFill>
-        <p:spPr bwMode="auto">
-          <a:xfrm>
-            <a:off x="838200" y="2392363"/>
-            <a:ext cx="3219450" cy="3219450"/>
-          </a:xfrm>
-          <a:prstGeom prst="rect">
-            <a:avLst/>
-          </a:prstGeom>
-          <a:extLst>
-            <a:ext uri="{909E8E84-426E-40DD-AFC4-6F175D3DCCD1}">
-              <a14:hiddenFill xmlns:a14="http://schemas.microsoft.com/office/drawing/2010/main">
-                <a:solidFill>
-                  <a:srgbClr val="FFFFFF"/>
-                </a:solidFill>
-              </a14:hiddenFill>
-            </a:ext>
-          </a:extLst>
-        </p:spPr>
-      </p:pic>
     </p:spTree>
     <p:extLst>
       <p:ext uri="{BB962C8B-B14F-4D97-AF65-F5344CB8AC3E}">
@@ -29529,12 +29617,12 @@
 </file>
 
 <file path=customXml/item1.xml><?xml version="1.0" encoding="utf-8"?>
-<?mso-contentType ?>
-<FormTemplates xmlns="http://schemas.microsoft.com/sharepoint/v3/contenttype/forms">
-  <Display>DocumentLibraryForm</Display>
-  <Edit>DocumentLibraryForm</Edit>
-  <New>DocumentLibraryForm</New>
-</FormTemplates>
+<p:properties xmlns:p="http://schemas.microsoft.com/office/2006/metadata/properties" xmlns:xsi="http://www.w3.org/2001/XMLSchema-instance" xmlns:pc="http://schemas.microsoft.com/office/infopath/2007/PartnerControls">
+  <documentManagement>
+    <Status xmlns="71af3243-3dd4-4a8d-8c0d-dd76da1f02a5">Not started</Status>
+    <MediaServiceKeyPoints xmlns="71af3243-3dd4-4a8d-8c0d-dd76da1f02a5" xsi:nil="true"/>
+  </documentManagement>
+</p:properties>
 </file>
 
 <file path=customXml/item2.xml><?xml version="1.0" encoding="utf-8"?>
@@ -29759,18 +29847,20 @@
 </file>
 
 <file path=customXml/item3.xml><?xml version="1.0" encoding="utf-8"?>
-<p:properties xmlns:p="http://schemas.microsoft.com/office/2006/metadata/properties" xmlns:xsi="http://www.w3.org/2001/XMLSchema-instance" xmlns:pc="http://schemas.microsoft.com/office/infopath/2007/PartnerControls">
-  <documentManagement>
-    <Status xmlns="71af3243-3dd4-4a8d-8c0d-dd76da1f02a5">Not started</Status>
-    <MediaServiceKeyPoints xmlns="71af3243-3dd4-4a8d-8c0d-dd76da1f02a5" xsi:nil="true"/>
-  </documentManagement>
-</p:properties>
+<?mso-contentType ?>
+<FormTemplates xmlns="http://schemas.microsoft.com/sharepoint/v3/contenttype/forms">
+  <Display>DocumentLibraryForm</Display>
+  <Edit>DocumentLibraryForm</Edit>
+  <New>DocumentLibraryForm</New>
+</FormTemplates>
 </file>
 
 <file path=customXml/itemProps1.xml><?xml version="1.0" encoding="utf-8"?>
-<ds:datastoreItem xmlns:ds="http://schemas.openxmlformats.org/officeDocument/2006/customXml" ds:itemID="{3C8E00D1-8EA3-4E42-801D-0253E1EAFC21}">
+<ds:datastoreItem xmlns:ds="http://schemas.openxmlformats.org/officeDocument/2006/customXml" ds:itemID="{99919F73-B6C2-4A43-95E2-833EC48925FE}">
   <ds:schemaRefs>
-    <ds:schemaRef ds:uri="http://schemas.microsoft.com/sharepoint/v3/contenttype/forms"/>
+    <ds:schemaRef ds:uri="http://schemas.microsoft.com/office/2006/metadata/properties"/>
+    <ds:schemaRef ds:uri="http://schemas.microsoft.com/office/infopath/2007/PartnerControls"/>
+    <ds:schemaRef ds:uri="71af3243-3dd4-4a8d-8c0d-dd76da1f02a5"/>
   </ds:schemaRefs>
 </ds:datastoreItem>
 </file>
@@ -29795,11 +29885,9 @@
 </file>
 
 <file path=customXml/itemProps3.xml><?xml version="1.0" encoding="utf-8"?>
-<ds:datastoreItem xmlns:ds="http://schemas.openxmlformats.org/officeDocument/2006/customXml" ds:itemID="{99919F73-B6C2-4A43-95E2-833EC48925FE}">
+<ds:datastoreItem xmlns:ds="http://schemas.openxmlformats.org/officeDocument/2006/customXml" ds:itemID="{3C8E00D1-8EA3-4E42-801D-0253E1EAFC21}">
   <ds:schemaRefs>
-    <ds:schemaRef ds:uri="http://schemas.microsoft.com/office/2006/metadata/properties"/>
-    <ds:schemaRef ds:uri="http://schemas.microsoft.com/office/infopath/2007/PartnerControls"/>
-    <ds:schemaRef ds:uri="71af3243-3dd4-4a8d-8c0d-dd76da1f02a5"/>
+    <ds:schemaRef ds:uri="http://schemas.microsoft.com/sharepoint/v3/contenttype/forms"/>
   </ds:schemaRefs>
 </ds:datastoreItem>
 </file>
--- a/Präsentation/ProjectAward-DIPLO.pptx
+++ b/Präsentation/ProjectAward-DIPLO.pptx
@@ -4468,9 +4468,33 @@
             </a:defRPr>
           </a:pPr>
           <a:r>
+            <a:rPr lang="de-DE" noProof="0" dirty="0"/>
+            <a:t>Markus </a:t>
+          </a:r>
+          <a:r>
+            <a:rPr lang="de-DE" noProof="0" dirty="0" err="1"/>
+            <a:t>Schwarzi</a:t>
+          </a:r>
+          <a:endParaRPr lang="de-DE" noProof="0" dirty="0"/>
+        </a:p>
+        <a:p>
+          <a:pPr algn="ctr">
+            <a:lnSpc>
+              <a:spcPct val="100000"/>
+            </a:lnSpc>
+            <a:defRPr b="1" spc="20">
+              <a:latin typeface="+mj-lt"/>
+            </a:defRPr>
+          </a:pPr>
+          <a:r>
+            <a:rPr lang="de-DE" noProof="0" dirty="0"/>
+            <a:t>Aka </a:t>
+          </a:r>
+          <a:r>
             <a:rPr lang="de-DE" noProof="0"/>
-            <a:t>Markus Schwarz</a:t>
+            <a:t>Blacki</a:t>
           </a:r>
+          <a:endParaRPr lang="de-DE" noProof="0" dirty="0"/>
         </a:p>
       </dgm:t>
     </dgm:pt>
@@ -6697,7 +6721,7 @@
       </dsp:nvSpPr>
       <dsp:spPr>
         <a:xfrm>
-          <a:off x="1603797" y="853440"/>
+          <a:off x="1609287" y="853440"/>
           <a:ext cx="1683900" cy="1683900"/>
         </a:xfrm>
         <a:prstGeom prst="ellipse">
@@ -6747,8 +6771,8 @@
       </dsp:nvSpPr>
       <dsp:spPr>
         <a:xfrm>
-          <a:off x="1249129" y="2863690"/>
-          <a:ext cx="2393235" cy="487349"/>
+          <a:off x="1256955" y="2863690"/>
+          <a:ext cx="2388563" cy="487349"/>
         </a:xfrm>
         <a:prstGeom prst="rect">
           <a:avLst/>
@@ -6777,7 +6801,7 @@
         </a:bodyPr>
         <a:lstStyle/>
         <a:p>
-          <a:pPr marL="0" lvl="0" indent="0" algn="ctr" defTabSz="666750">
+          <a:pPr marL="0" lvl="0" indent="0" algn="ctr" defTabSz="622300">
             <a:lnSpc>
               <a:spcPct val="100000"/>
             </a:lnSpc>
@@ -6793,14 +6817,45 @@
             </a:defRPr>
           </a:pPr>
           <a:r>
-            <a:rPr lang="de-DE" sz="1500" kern="1200" noProof="0"/>
-            <a:t>Markus Schwarz</a:t>
+            <a:rPr lang="de-DE" sz="1400" kern="1200" noProof="0" dirty="0"/>
+            <a:t>Markus </a:t>
           </a:r>
+          <a:r>
+            <a:rPr lang="de-DE" sz="1400" kern="1200" noProof="0" dirty="0" err="1"/>
+            <a:t>Schwarzi</a:t>
+          </a:r>
+          <a:endParaRPr lang="de-DE" sz="1400" kern="1200" noProof="0" dirty="0"/>
+        </a:p>
+        <a:p>
+          <a:pPr marL="0" lvl="0" indent="0" algn="ctr" defTabSz="622300">
+            <a:lnSpc>
+              <a:spcPct val="100000"/>
+            </a:lnSpc>
+            <a:spcBef>
+              <a:spcPct val="0"/>
+            </a:spcBef>
+            <a:spcAft>
+              <a:spcPct val="35000"/>
+            </a:spcAft>
+            <a:buNone/>
+            <a:defRPr b="1" spc="20">
+              <a:latin typeface="+mj-lt"/>
+            </a:defRPr>
+          </a:pPr>
+          <a:r>
+            <a:rPr lang="de-DE" sz="1400" kern="1200" noProof="0" dirty="0"/>
+            <a:t>Aka </a:t>
+          </a:r>
+          <a:r>
+            <a:rPr lang="de-DE" sz="1400" kern="1200" noProof="0"/>
+            <a:t>Blacki</a:t>
+          </a:r>
+          <a:endParaRPr lang="de-DE" sz="1400" kern="1200" noProof="0" dirty="0"/>
         </a:p>
       </dsp:txBody>
       <dsp:txXfrm>
-        <a:off x="1249129" y="2863690"/>
-        <a:ext cx="2393235" cy="487349"/>
+        <a:off x="1256955" y="2863690"/>
+        <a:ext cx="2388563" cy="487349"/>
       </dsp:txXfrm>
     </dsp:sp>
     <dsp:sp modelId="{762EDC46-2BB6-42A0-82DB-D05F7421FF5A}">
@@ -6810,8 +6865,8 @@
       </dsp:nvSpPr>
       <dsp:spPr>
         <a:xfrm>
-          <a:off x="1249129" y="3416310"/>
-          <a:ext cx="2393235" cy="603748"/>
+          <a:off x="1256955" y="3416310"/>
+          <a:ext cx="2388563" cy="603748"/>
         </a:xfrm>
         <a:prstGeom prst="rect">
           <a:avLst/>
@@ -6892,8 +6947,8 @@
       </dsp:nvSpPr>
       <dsp:spPr>
         <a:xfrm>
-          <a:off x="4061182" y="2863690"/>
-          <a:ext cx="2393235" cy="487349"/>
+          <a:off x="4063518" y="2863690"/>
+          <a:ext cx="2388563" cy="487349"/>
         </a:xfrm>
         <a:prstGeom prst="rect">
           <a:avLst/>
@@ -6922,7 +6977,7 @@
         </a:bodyPr>
         <a:lstStyle/>
         <a:p>
-          <a:pPr marL="0" lvl="0" indent="0" algn="ctr" defTabSz="666750">
+          <a:pPr marL="0" lvl="0" indent="0" algn="ctr" defTabSz="622300">
             <a:lnSpc>
               <a:spcPct val="100000"/>
             </a:lnSpc>
@@ -6938,18 +6993,18 @@
             </a:defRPr>
           </a:pPr>
           <a:r>
-            <a:rPr lang="de-DE" sz="1500" kern="1200" noProof="0"/>
+            <a:rPr lang="de-DE" sz="1400" kern="1200" noProof="0"/>
             <a:t>David Zeilinger</a:t>
           </a:r>
           <a:br>
-            <a:rPr lang="de-DE" sz="1500" kern="1200" noProof="0"/>
+            <a:rPr lang="de-DE" sz="1400" kern="1200" noProof="0"/>
           </a:br>
-          <a:endParaRPr lang="de-DE" sz="1500" kern="1200" noProof="0"/>
+          <a:endParaRPr lang="de-DE" sz="1400" kern="1200" noProof="0"/>
         </a:p>
       </dsp:txBody>
       <dsp:txXfrm>
-        <a:off x="4061182" y="2863690"/>
-        <a:ext cx="2393235" cy="487349"/>
+        <a:off x="4063518" y="2863690"/>
+        <a:ext cx="2388563" cy="487349"/>
       </dsp:txXfrm>
     </dsp:sp>
     <dsp:sp modelId="{386FC057-60E4-43BA-96A5-EB7C062544ED}">
@@ -6959,8 +7014,8 @@
       </dsp:nvSpPr>
       <dsp:spPr>
         <a:xfrm>
-          <a:off x="4061182" y="3416310"/>
-          <a:ext cx="2393235" cy="603748"/>
+          <a:off x="4063518" y="3416310"/>
+          <a:ext cx="2388563" cy="603748"/>
         </a:xfrm>
         <a:prstGeom prst="rect">
           <a:avLst/>
@@ -6991,7 +7046,7 @@
       </dsp:nvSpPr>
       <dsp:spPr>
         <a:xfrm>
-          <a:off x="7227902" y="853440"/>
+          <a:off x="7222412" y="853440"/>
           <a:ext cx="1683900" cy="1683900"/>
         </a:xfrm>
         <a:prstGeom prst="ellipse">
@@ -7041,8 +7096,8 @@
       </dsp:nvSpPr>
       <dsp:spPr>
         <a:xfrm>
-          <a:off x="6873234" y="2863690"/>
-          <a:ext cx="2393235" cy="487349"/>
+          <a:off x="6870080" y="2863690"/>
+          <a:ext cx="2388563" cy="487349"/>
         </a:xfrm>
         <a:prstGeom prst="rect">
           <a:avLst/>
@@ -7071,7 +7126,7 @@
         </a:bodyPr>
         <a:lstStyle/>
         <a:p>
-          <a:pPr marL="0" lvl="0" indent="0" algn="ctr" defTabSz="666750">
+          <a:pPr marL="0" lvl="0" indent="0" algn="ctr" defTabSz="622300">
             <a:lnSpc>
               <a:spcPct val="100000"/>
             </a:lnSpc>
@@ -7087,22 +7142,22 @@
             </a:defRPr>
           </a:pPr>
           <a:r>
-            <a:rPr lang="de-DE" sz="1500" kern="1200" noProof="0" dirty="0"/>
+            <a:rPr lang="de-DE" sz="1400" kern="1200" noProof="0" dirty="0"/>
             <a:t>Fabian </a:t>
           </a:r>
           <a:r>
-            <a:rPr lang="de-DE" sz="1500" kern="1200" noProof="0" dirty="0" err="1"/>
+            <a:rPr lang="de-DE" sz="1400" kern="1200" noProof="0" dirty="0" err="1"/>
             <a:t>Schned</a:t>
           </a:r>
           <a:br>
-            <a:rPr lang="de-DE" sz="1500" kern="1200" noProof="0" dirty="0"/>
+            <a:rPr lang="de-DE" sz="1400" kern="1200" noProof="0" dirty="0"/>
           </a:br>
-          <a:endParaRPr lang="de-DE" sz="1500" kern="1200" noProof="0" dirty="0"/>
+          <a:endParaRPr lang="de-DE" sz="1400" kern="1200" noProof="0" dirty="0"/>
         </a:p>
       </dsp:txBody>
       <dsp:txXfrm>
-        <a:off x="6873234" y="2863690"/>
-        <a:ext cx="2393235" cy="487349"/>
+        <a:off x="6870080" y="2863690"/>
+        <a:ext cx="2388563" cy="487349"/>
       </dsp:txXfrm>
     </dsp:sp>
     <dsp:sp modelId="{8FF611A3-BDE7-4F3B-82C7-295BA068819A}">
@@ -7112,8 +7167,8 @@
       </dsp:nvSpPr>
       <dsp:spPr>
         <a:xfrm>
-          <a:off x="6873234" y="3416310"/>
-          <a:ext cx="2393235" cy="603748"/>
+          <a:off x="6870080" y="3416310"/>
+          <a:ext cx="2388563" cy="603748"/>
         </a:xfrm>
         <a:prstGeom prst="rect">
           <a:avLst/>
@@ -27489,7 +27544,7 @@
             <p:ph idx="1"/>
             <p:extLst>
               <p:ext uri="{D42A27DB-BD31-4B8C-83A1-F6EECF244321}">
-                <p14:modId xmlns:p14="http://schemas.microsoft.com/office/powerpoint/2010/main" val="3143148929"/>
+                <p14:modId xmlns:p14="http://schemas.microsoft.com/office/powerpoint/2010/main" val="1685307492"/>
               </p:ext>
             </p:extLst>
           </p:nvPr>
@@ -29617,15 +29672,6 @@
 </file>
 
 <file path=customXml/item1.xml><?xml version="1.0" encoding="utf-8"?>
-<p:properties xmlns:p="http://schemas.microsoft.com/office/2006/metadata/properties" xmlns:xsi="http://www.w3.org/2001/XMLSchema-instance" xmlns:pc="http://schemas.microsoft.com/office/infopath/2007/PartnerControls">
-  <documentManagement>
-    <Status xmlns="71af3243-3dd4-4a8d-8c0d-dd76da1f02a5">Not started</Status>
-    <MediaServiceKeyPoints xmlns="71af3243-3dd4-4a8d-8c0d-dd76da1f02a5" xsi:nil="true"/>
-  </documentManagement>
-</p:properties>
-</file>
-
-<file path=customXml/item2.xml><?xml version="1.0" encoding="utf-8"?>
 <ct:contentTypeSchema xmlns:ct="http://schemas.microsoft.com/office/2006/metadata/contentType" xmlns:ma="http://schemas.microsoft.com/office/2006/metadata/properties/metaAttributes" ct:_="" ma:_="" ma:contentTypeName="Document" ma:contentTypeID="0x01010079F111ED35F8CC479449609E8A0923A6" ma:contentTypeVersion="12" ma:contentTypeDescription="Create a new document." ma:contentTypeScope="" ma:versionID="426e97fa315356fffbdcd9876fe988c2">
   <xsd:schema xmlns:xsd="http://www.w3.org/2001/XMLSchema" xmlns:xs="http://www.w3.org/2001/XMLSchema" xmlns:p="http://schemas.microsoft.com/office/2006/metadata/properties" xmlns:ns2="71af3243-3dd4-4a8d-8c0d-dd76da1f02a5" xmlns:ns3="16c05727-aa75-4e4a-9b5f-8a80a1165891" targetNamespace="http://schemas.microsoft.com/office/2006/metadata/properties" ma:root="true" ma:fieldsID="14b8f0def80e6d70ce3def20c90759ae" ns2:_="" ns3:_="">
     <xsd:import namespace="71af3243-3dd4-4a8d-8c0d-dd76da1f02a5"/>
@@ -29846,6 +29892,15 @@
 </ct:contentTypeSchema>
 </file>
 
+<file path=customXml/item2.xml><?xml version="1.0" encoding="utf-8"?>
+<p:properties xmlns:p="http://schemas.microsoft.com/office/2006/metadata/properties" xmlns:xsi="http://www.w3.org/2001/XMLSchema-instance" xmlns:pc="http://schemas.microsoft.com/office/infopath/2007/PartnerControls">
+  <documentManagement>
+    <Status xmlns="71af3243-3dd4-4a8d-8c0d-dd76da1f02a5">Not started</Status>
+    <MediaServiceKeyPoints xmlns="71af3243-3dd4-4a8d-8c0d-dd76da1f02a5" xsi:nil="true"/>
+  </documentManagement>
+</p:properties>
+</file>
+
 <file path=customXml/item3.xml><?xml version="1.0" encoding="utf-8"?>
 <?mso-contentType ?>
 <FormTemplates xmlns="http://schemas.microsoft.com/sharepoint/v3/contenttype/forms">
@@ -29856,16 +29911,6 @@
 </file>
 
 <file path=customXml/itemProps1.xml><?xml version="1.0" encoding="utf-8"?>
-<ds:datastoreItem xmlns:ds="http://schemas.openxmlformats.org/officeDocument/2006/customXml" ds:itemID="{99919F73-B6C2-4A43-95E2-833EC48925FE}">
-  <ds:schemaRefs>
-    <ds:schemaRef ds:uri="http://schemas.microsoft.com/office/2006/metadata/properties"/>
-    <ds:schemaRef ds:uri="http://schemas.microsoft.com/office/infopath/2007/PartnerControls"/>
-    <ds:schemaRef ds:uri="71af3243-3dd4-4a8d-8c0d-dd76da1f02a5"/>
-  </ds:schemaRefs>
-</ds:datastoreItem>
-</file>
-
-<file path=customXml/itemProps2.xml><?xml version="1.0" encoding="utf-8"?>
 <ds:datastoreItem xmlns:ds="http://schemas.openxmlformats.org/officeDocument/2006/customXml" ds:itemID="{ABC329F5-30EE-4BF7-AA2A-B837B51416B4}">
   <ds:schemaRefs>
     <ds:schemaRef ds:uri="http://schemas.microsoft.com/office/2006/metadata/contentType"/>
@@ -29884,6 +29929,16 @@
 </ds:datastoreItem>
 </file>
 
+<file path=customXml/itemProps2.xml><?xml version="1.0" encoding="utf-8"?>
+<ds:datastoreItem xmlns:ds="http://schemas.openxmlformats.org/officeDocument/2006/customXml" ds:itemID="{99919F73-B6C2-4A43-95E2-833EC48925FE}">
+  <ds:schemaRefs>
+    <ds:schemaRef ds:uri="http://schemas.microsoft.com/office/2006/metadata/properties"/>
+    <ds:schemaRef ds:uri="http://schemas.microsoft.com/office/infopath/2007/PartnerControls"/>
+    <ds:schemaRef ds:uri="71af3243-3dd4-4a8d-8c0d-dd76da1f02a5"/>
+  </ds:schemaRefs>
+</ds:datastoreItem>
+</file>
+
 <file path=customXml/itemProps3.xml><?xml version="1.0" encoding="utf-8"?>
 <ds:datastoreItem xmlns:ds="http://schemas.openxmlformats.org/officeDocument/2006/customXml" ds:itemID="{3C8E00D1-8EA3-4E42-801D-0253E1EAFC21}">
   <ds:schemaRefs>

--- a/Präsentation/ProjectAward-DIPLO.pptx
+++ b/Präsentation/ProjectAward-DIPLO.pptx
@@ -4469,32 +4469,8 @@
           </a:pPr>
           <a:r>
             <a:rPr lang="de-DE" noProof="0" dirty="0"/>
-            <a:t>Markus </a:t>
+            <a:t>Markus Schwarz</a:t>
           </a:r>
-          <a:r>
-            <a:rPr lang="de-DE" noProof="0" dirty="0" err="1"/>
-            <a:t>Schwarzi</a:t>
-          </a:r>
-          <a:endParaRPr lang="de-DE" noProof="0" dirty="0"/>
-        </a:p>
-        <a:p>
-          <a:pPr algn="ctr">
-            <a:lnSpc>
-              <a:spcPct val="100000"/>
-            </a:lnSpc>
-            <a:defRPr b="1" spc="20">
-              <a:latin typeface="+mj-lt"/>
-            </a:defRPr>
-          </a:pPr>
-          <a:r>
-            <a:rPr lang="de-DE" noProof="0" dirty="0"/>
-            <a:t>Aka </a:t>
-          </a:r>
-          <a:r>
-            <a:rPr lang="de-DE" noProof="0"/>
-            <a:t>Blacki</a:t>
-          </a:r>
-          <a:endParaRPr lang="de-DE" noProof="0" dirty="0"/>
         </a:p>
       </dgm:t>
     </dgm:pt>
@@ -6721,7 +6697,7 @@
       </dsp:nvSpPr>
       <dsp:spPr>
         <a:xfrm>
-          <a:off x="1609287" y="853440"/>
+          <a:off x="1603797" y="853440"/>
           <a:ext cx="1683900" cy="1683900"/>
         </a:xfrm>
         <a:prstGeom prst="ellipse">
@@ -6771,8 +6747,8 @@
       </dsp:nvSpPr>
       <dsp:spPr>
         <a:xfrm>
-          <a:off x="1256955" y="2863690"/>
-          <a:ext cx="2388563" cy="487349"/>
+          <a:off x="1249129" y="2863690"/>
+          <a:ext cx="2393235" cy="487349"/>
         </a:xfrm>
         <a:prstGeom prst="rect">
           <a:avLst/>
@@ -6801,7 +6777,7 @@
         </a:bodyPr>
         <a:lstStyle/>
         <a:p>
-          <a:pPr marL="0" lvl="0" indent="0" algn="ctr" defTabSz="622300">
+          <a:pPr marL="0" lvl="0" indent="0" algn="ctr" defTabSz="666750">
             <a:lnSpc>
               <a:spcPct val="100000"/>
             </a:lnSpc>
@@ -6817,45 +6793,14 @@
             </a:defRPr>
           </a:pPr>
           <a:r>
-            <a:rPr lang="de-DE" sz="1400" kern="1200" noProof="0" dirty="0"/>
-            <a:t>Markus </a:t>
+            <a:rPr lang="de-DE" sz="1500" kern="1200" noProof="0" dirty="0"/>
+            <a:t>Markus Schwarz</a:t>
           </a:r>
-          <a:r>
-            <a:rPr lang="de-DE" sz="1400" kern="1200" noProof="0" dirty="0" err="1"/>
-            <a:t>Schwarzi</a:t>
-          </a:r>
-          <a:endParaRPr lang="de-DE" sz="1400" kern="1200" noProof="0" dirty="0"/>
-        </a:p>
-        <a:p>
-          <a:pPr marL="0" lvl="0" indent="0" algn="ctr" defTabSz="622300">
-            <a:lnSpc>
-              <a:spcPct val="100000"/>
-            </a:lnSpc>
-            <a:spcBef>
-              <a:spcPct val="0"/>
-            </a:spcBef>
-            <a:spcAft>
-              <a:spcPct val="35000"/>
-            </a:spcAft>
-            <a:buNone/>
-            <a:defRPr b="1" spc="20">
-              <a:latin typeface="+mj-lt"/>
-            </a:defRPr>
-          </a:pPr>
-          <a:r>
-            <a:rPr lang="de-DE" sz="1400" kern="1200" noProof="0" dirty="0"/>
-            <a:t>Aka </a:t>
-          </a:r>
-          <a:r>
-            <a:rPr lang="de-DE" sz="1400" kern="1200" noProof="0"/>
-            <a:t>Blacki</a:t>
-          </a:r>
-          <a:endParaRPr lang="de-DE" sz="1400" kern="1200" noProof="0" dirty="0"/>
         </a:p>
       </dsp:txBody>
       <dsp:txXfrm>
-        <a:off x="1256955" y="2863690"/>
-        <a:ext cx="2388563" cy="487349"/>
+        <a:off x="1249129" y="2863690"/>
+        <a:ext cx="2393235" cy="487349"/>
       </dsp:txXfrm>
     </dsp:sp>
     <dsp:sp modelId="{762EDC46-2BB6-42A0-82DB-D05F7421FF5A}">
@@ -6865,8 +6810,8 @@
       </dsp:nvSpPr>
       <dsp:spPr>
         <a:xfrm>
-          <a:off x="1256955" y="3416310"/>
-          <a:ext cx="2388563" cy="603748"/>
+          <a:off x="1249129" y="3416310"/>
+          <a:ext cx="2393235" cy="603748"/>
         </a:xfrm>
         <a:prstGeom prst="rect">
           <a:avLst/>
@@ -6947,8 +6892,8 @@
       </dsp:nvSpPr>
       <dsp:spPr>
         <a:xfrm>
-          <a:off x="4063518" y="2863690"/>
-          <a:ext cx="2388563" cy="487349"/>
+          <a:off x="4061182" y="2863690"/>
+          <a:ext cx="2393235" cy="487349"/>
         </a:xfrm>
         <a:prstGeom prst="rect">
           <a:avLst/>
@@ -6977,7 +6922,7 @@
         </a:bodyPr>
         <a:lstStyle/>
         <a:p>
-          <a:pPr marL="0" lvl="0" indent="0" algn="ctr" defTabSz="622300">
+          <a:pPr marL="0" lvl="0" indent="0" algn="ctr" defTabSz="666750">
             <a:lnSpc>
               <a:spcPct val="100000"/>
             </a:lnSpc>
@@ -6993,18 +6938,18 @@
             </a:defRPr>
           </a:pPr>
           <a:r>
-            <a:rPr lang="de-DE" sz="1400" kern="1200" noProof="0"/>
+            <a:rPr lang="de-DE" sz="1500" kern="1200" noProof="0"/>
             <a:t>David Zeilinger</a:t>
           </a:r>
           <a:br>
-            <a:rPr lang="de-DE" sz="1400" kern="1200" noProof="0"/>
+            <a:rPr lang="de-DE" sz="1500" kern="1200" noProof="0"/>
           </a:br>
-          <a:endParaRPr lang="de-DE" sz="1400" kern="1200" noProof="0"/>
+          <a:endParaRPr lang="de-DE" sz="1500" kern="1200" noProof="0"/>
         </a:p>
       </dsp:txBody>
       <dsp:txXfrm>
-        <a:off x="4063518" y="2863690"/>
-        <a:ext cx="2388563" cy="487349"/>
+        <a:off x="4061182" y="2863690"/>
+        <a:ext cx="2393235" cy="487349"/>
       </dsp:txXfrm>
     </dsp:sp>
     <dsp:sp modelId="{386FC057-60E4-43BA-96A5-EB7C062544ED}">
@@ -7014,8 +6959,8 @@
       </dsp:nvSpPr>
       <dsp:spPr>
         <a:xfrm>
-          <a:off x="4063518" y="3416310"/>
-          <a:ext cx="2388563" cy="603748"/>
+          <a:off x="4061182" y="3416310"/>
+          <a:ext cx="2393235" cy="603748"/>
         </a:xfrm>
         <a:prstGeom prst="rect">
           <a:avLst/>
@@ -7046,7 +6991,7 @@
       </dsp:nvSpPr>
       <dsp:spPr>
         <a:xfrm>
-          <a:off x="7222412" y="853440"/>
+          <a:off x="7227902" y="853440"/>
           <a:ext cx="1683900" cy="1683900"/>
         </a:xfrm>
         <a:prstGeom prst="ellipse">
@@ -7096,8 +7041,8 @@
       </dsp:nvSpPr>
       <dsp:spPr>
         <a:xfrm>
-          <a:off x="6870080" y="2863690"/>
-          <a:ext cx="2388563" cy="487349"/>
+          <a:off x="6873234" y="2863690"/>
+          <a:ext cx="2393235" cy="487349"/>
         </a:xfrm>
         <a:prstGeom prst="rect">
           <a:avLst/>
@@ -7126,7 +7071,7 @@
         </a:bodyPr>
         <a:lstStyle/>
         <a:p>
-          <a:pPr marL="0" lvl="0" indent="0" algn="ctr" defTabSz="622300">
+          <a:pPr marL="0" lvl="0" indent="0" algn="ctr" defTabSz="666750">
             <a:lnSpc>
               <a:spcPct val="100000"/>
             </a:lnSpc>
@@ -7142,22 +7087,22 @@
             </a:defRPr>
           </a:pPr>
           <a:r>
-            <a:rPr lang="de-DE" sz="1400" kern="1200" noProof="0" dirty="0"/>
+            <a:rPr lang="de-DE" sz="1500" kern="1200" noProof="0" dirty="0"/>
             <a:t>Fabian </a:t>
           </a:r>
           <a:r>
-            <a:rPr lang="de-DE" sz="1400" kern="1200" noProof="0" dirty="0" err="1"/>
+            <a:rPr lang="de-DE" sz="1500" kern="1200" noProof="0" dirty="0" err="1"/>
             <a:t>Schned</a:t>
           </a:r>
           <a:br>
-            <a:rPr lang="de-DE" sz="1400" kern="1200" noProof="0" dirty="0"/>
+            <a:rPr lang="de-DE" sz="1500" kern="1200" noProof="0" dirty="0"/>
           </a:br>
-          <a:endParaRPr lang="de-DE" sz="1400" kern="1200" noProof="0" dirty="0"/>
+          <a:endParaRPr lang="de-DE" sz="1500" kern="1200" noProof="0" dirty="0"/>
         </a:p>
       </dsp:txBody>
       <dsp:txXfrm>
-        <a:off x="6870080" y="2863690"/>
-        <a:ext cx="2388563" cy="487349"/>
+        <a:off x="6873234" y="2863690"/>
+        <a:ext cx="2393235" cy="487349"/>
       </dsp:txXfrm>
     </dsp:sp>
     <dsp:sp modelId="{8FF611A3-BDE7-4F3B-82C7-295BA068819A}">
@@ -7167,8 +7112,8 @@
       </dsp:nvSpPr>
       <dsp:spPr>
         <a:xfrm>
-          <a:off x="6870080" y="3416310"/>
-          <a:ext cx="2388563" cy="603748"/>
+          <a:off x="6873234" y="3416310"/>
+          <a:ext cx="2393235" cy="603748"/>
         </a:xfrm>
         <a:prstGeom prst="rect">
           <a:avLst/>
@@ -27544,7 +27489,7 @@
             <p:ph idx="1"/>
             <p:extLst>
               <p:ext uri="{D42A27DB-BD31-4B8C-83A1-F6EECF244321}">
-                <p14:modId xmlns:p14="http://schemas.microsoft.com/office/powerpoint/2010/main" val="1685307492"/>
+                <p14:modId xmlns:p14="http://schemas.microsoft.com/office/powerpoint/2010/main" val="3979924943"/>
               </p:ext>
             </p:extLst>
           </p:nvPr>
